--- a/IntentDetectionAndTask.pptx
+++ b/IntentDetectionAndTask.pptx
@@ -828,7 +828,7 @@
           <a:p>
             <a:fld id="{C56111CF-3B3B-4259-8C3C-0D6FBE297045}" type="datetime8">
               <a:rPr lang="en-150" smtClean="0"/>
-              <a:t>20/02/2022 17:15</a:t>
+              <a:t>20/02/2022 20:02</a:t>
             </a:fld>
             <a:endParaRPr lang="en-150"/>
           </a:p>
@@ -1032,7 +1032,7 @@
           <a:p>
             <a:fld id="{7A5ECC7A-A8D5-4031-ABC7-A60531E38E2F}" type="datetime8">
               <a:rPr lang="en-150" smtClean="0"/>
-              <a:t>20/02/2022 17:15</a:t>
+              <a:t>20/02/2022 20:02</a:t>
             </a:fld>
             <a:endParaRPr lang="en-150"/>
           </a:p>
@@ -1246,7 +1246,7 @@
           <a:p>
             <a:fld id="{2CD417C5-5ED4-402C-802E-62CB69BA82E4}" type="datetime8">
               <a:rPr lang="en-150" smtClean="0"/>
-              <a:t>20/02/2022 17:15</a:t>
+              <a:t>20/02/2022 20:02</a:t>
             </a:fld>
             <a:endParaRPr lang="en-150"/>
           </a:p>
@@ -1450,7 +1450,7 @@
           <a:p>
             <a:fld id="{FCB344BD-05DB-4302-973F-F94B689264AF}" type="datetime8">
               <a:rPr lang="en-150" smtClean="0"/>
-              <a:t>20/02/2022 17:15</a:t>
+              <a:t>20/02/2022 20:02</a:t>
             </a:fld>
             <a:endParaRPr lang="en-150"/>
           </a:p>
@@ -1730,7 +1730,7 @@
           <a:p>
             <a:fld id="{987083AC-6DF8-40B8-9241-0BE163883374}" type="datetime8">
               <a:rPr lang="en-150" smtClean="0"/>
-              <a:t>20/02/2022 17:15</a:t>
+              <a:t>20/02/2022 20:02</a:t>
             </a:fld>
             <a:endParaRPr lang="en-150"/>
           </a:p>
@@ -2002,7 +2002,7 @@
           <a:p>
             <a:fld id="{1962C72B-211E-4BDD-8301-8AB6FFC621F1}" type="datetime8">
               <a:rPr lang="en-150" smtClean="0"/>
-              <a:t>20/02/2022 17:15</a:t>
+              <a:t>20/02/2022 20:02</a:t>
             </a:fld>
             <a:endParaRPr lang="en-150"/>
           </a:p>
@@ -2421,7 +2421,7 @@
           <a:p>
             <a:fld id="{3C195958-6278-4BD1-A0B6-101A603DC491}" type="datetime8">
               <a:rPr lang="en-150" smtClean="0"/>
-              <a:t>20/02/2022 17:15</a:t>
+              <a:t>20/02/2022 20:02</a:t>
             </a:fld>
             <a:endParaRPr lang="en-150"/>
           </a:p>
@@ -2567,7 +2567,7 @@
           <a:p>
             <a:fld id="{03517FA0-DCEE-40AE-A504-A1580BCB852F}" type="datetime8">
               <a:rPr lang="en-150" smtClean="0"/>
-              <a:t>20/02/2022 17:15</a:t>
+              <a:t>20/02/2022 20:02</a:t>
             </a:fld>
             <a:endParaRPr lang="en-150"/>
           </a:p>
@@ -2684,7 +2684,7 @@
           <a:p>
             <a:fld id="{8CFBADD9-1522-40D6-9DE3-641048803895}" type="datetime8">
               <a:rPr lang="en-150" smtClean="0"/>
-              <a:t>20/02/2022 17:15</a:t>
+              <a:t>20/02/2022 20:02</a:t>
             </a:fld>
             <a:endParaRPr lang="en-150"/>
           </a:p>
@@ -3001,7 +3001,7 @@
           <a:p>
             <a:fld id="{DB85E82D-9D42-445D-AB19-71D229339168}" type="datetime8">
               <a:rPr lang="en-150" smtClean="0"/>
-              <a:t>20/02/2022 17:15</a:t>
+              <a:t>20/02/2022 20:02</a:t>
             </a:fld>
             <a:endParaRPr lang="en-150"/>
           </a:p>
@@ -3294,7 +3294,7 @@
           <a:p>
             <a:fld id="{BD35ADE2-B465-4450-AAD0-7146C7A498FA}" type="datetime8">
               <a:rPr lang="en-150" smtClean="0"/>
-              <a:t>20/02/2022 17:15</a:t>
+              <a:t>20/02/2022 20:02</a:t>
             </a:fld>
             <a:endParaRPr lang="en-150"/>
           </a:p>
@@ -3541,7 +3541,7 @@
           <a:p>
             <a:fld id="{524D785C-36FD-4DEF-8FAB-125195567C69}" type="datetime8">
               <a:rPr lang="en-150" smtClean="0"/>
-              <a:t>20/02/2022 17:15</a:t>
+              <a:t>20/02/2022 20:02</a:t>
             </a:fld>
             <a:endParaRPr lang="en-150"/>
           </a:p>
